--- a/12 Exception Handling/ExceptionHandling.pptx
+++ b/12 Exception Handling/ExceptionHandling.pptx
@@ -11607,7 +11607,7 @@
           <a:p>
             <a:r>
               <a:rPr lang="en-US"/>
-              <a:t>@RestControllerAdvice = @RestControllerAdvice + @ResponseBody</a:t>
+              <a:t>@RestControllerAdvice = @ControllerAdvice + @ResponseBody</a:t>
             </a:r>
           </a:p>
           <a:p>
@@ -14872,7 +14872,7 @@
           <a:p>
             <a:r>
               <a:rPr lang="en-VN"/>
-              <a:t>Không kiểm tra bởi Java compilar. Ném ra và xử lý lúc runtime</a:t>
+              <a:t>Không kiểm tra bởi Java compiler. Ném ra và xử lý lúc runtime</a:t>
             </a:r>
           </a:p>
           <a:p>
